--- a/02-refactoring_cookbooks_with_tests.pptx
+++ b/02-refactoring_cookbooks_with_tests.pptx
@@ -283,7 +283,7 @@
               <a:pPr>
                 <a:defRPr/>
               </a:pPr>
-              <a:t>10/22/15</a:t>
+              <a:t>10/26/15</a:t>
             </a:fld>
             <a:endParaRPr lang="en-US" dirty="0"/>
           </a:p>
@@ -466,7 +466,7 @@
               <a:pPr>
                 <a:defRPr/>
               </a:pPr>
-              <a:t>10/22/15</a:t>
+              <a:t>10/26/15</a:t>
             </a:fld>
             <a:endParaRPr lang="en-US" dirty="0"/>
           </a:p>
@@ -9422,11 +9422,7 @@
           <a:p>
             <a:r>
               <a:rPr lang="en-US" dirty="0" smtClean="0"/>
-              <a:t>Refactoring Cookbooks </a:t>
-            </a:r>
-            <a:r>
-              <a:rPr lang="en-US" dirty="0" smtClean="0"/>
-              <a:t>with Tests</a:t>
+              <a:t>Refactoring Cookbooks with Tests</a:t>
             </a:r>
             <a:endParaRPr lang="en-US" dirty="0"/>
           </a:p>
@@ -10728,7 +10724,11 @@
             </a:pPr>
             <a:r>
               <a:rPr lang="en-US" dirty="0" smtClean="0"/>
-              <a:t>Remove source code</a:t>
+              <a:t>Remove / Comment source </a:t>
+            </a:r>
+            <a:r>
+              <a:rPr lang="en-US" dirty="0" smtClean="0"/>
+              <a:t>code</a:t>
             </a:r>
           </a:p>
           <a:p>
@@ -10866,12 +10866,20 @@
           </a:p>
           <a:p>
             <a:r>
-              <a:rPr lang="en-US" dirty="0" err="1"/>
+              <a:rPr lang="en-US" dirty="0" smtClean="0"/>
+              <a:t># </a:t>
+            </a:r>
+            <a:r>
+              <a:rPr lang="en-US" dirty="0" err="1" smtClean="0"/>
               <a:t>include_recipe</a:t>
             </a:r>
             <a:r>
+              <a:rPr lang="en-US" dirty="0" smtClean="0"/>
+              <a:t> </a:t>
+            </a:r>
+            <a:r>
               <a:rPr lang="en-US" dirty="0"/>
-              <a:t> '</a:t>
+              <a:t>'</a:t>
             </a:r>
             <a:r>
               <a:rPr lang="en-US" dirty="0" err="1"/>
@@ -10884,12 +10892,20 @@
           </a:p>
           <a:p>
             <a:r>
-              <a:rPr lang="en-US" dirty="0" err="1"/>
+              <a:rPr lang="en-US" dirty="0" smtClean="0"/>
+              <a:t># </a:t>
+            </a:r>
+            <a:r>
+              <a:rPr lang="en-US" dirty="0" err="1" smtClean="0"/>
               <a:t>include_recipe</a:t>
             </a:r>
             <a:r>
+              <a:rPr lang="en-US" dirty="0" smtClean="0"/>
+              <a:t> </a:t>
+            </a:r>
+            <a:r>
               <a:rPr lang="en-US" dirty="0"/>
-              <a:t> '</a:t>
+              <a:t>'</a:t>
             </a:r>
             <a:r>
               <a:rPr lang="en-US" dirty="0" err="1"/>
@@ -10955,6 +10971,11 @@
             <a:off x="1124446" y="4741537"/>
             <a:ext cx="14404273" cy="1207773"/>
           </a:xfrm>
+          <a:solidFill>
+            <a:srgbClr val="108001">
+              <a:alpha val="25000"/>
+            </a:srgbClr>
+          </a:solidFill>
         </p:spPr>
         <p:txBody>
           <a:bodyPr/>
@@ -11097,11 +11118,7 @@
             </a:r>
             <a:r>
               <a:rPr lang="en-US" dirty="0" smtClean="0"/>
-              <a:t> </a:t>
-            </a:r>
-            <a:r>
-              <a:rPr lang="en-US" dirty="0" smtClean="0"/>
-              <a:t>and </a:t>
+              <a:t> and </a:t>
             </a:r>
             <a:r>
               <a:rPr lang="en-US" dirty="0" smtClean="0">
@@ -11218,8 +11235,8 @@
               <a:buChar char="ü"/>
             </a:pPr>
             <a:r>
-              <a:rPr lang="en-US" dirty="0" smtClean="0"/>
-              <a:t>Remove source code</a:t>
+              <a:rPr lang="en-US" dirty="0"/>
+              <a:t>Remove / Comment source code</a:t>
             </a:r>
           </a:p>
           <a:p>
@@ -11228,12 +11245,8 @@
               <a:buChar char="q"/>
             </a:pPr>
             <a:r>
-              <a:rPr lang="en-US" dirty="0"/>
-              <a:t>E</a:t>
-            </a:r>
-            <a:r>
-              <a:rPr lang="en-US" dirty="0" smtClean="0"/>
-              <a:t>xecute </a:t>
+              <a:rPr lang="en-US" dirty="0" smtClean="0"/>
+              <a:t>Execute </a:t>
             </a:r>
             <a:r>
               <a:rPr lang="en-US" dirty="0"/>
@@ -12138,8 +12151,8 @@
               <a:buChar char="ü"/>
             </a:pPr>
             <a:r>
-              <a:rPr lang="en-US" dirty="0" smtClean="0"/>
-              <a:t>Comment out source code</a:t>
+              <a:rPr lang="en-US" dirty="0"/>
+              <a:t>Remove / Comment source code</a:t>
             </a:r>
           </a:p>
           <a:p>
@@ -12148,12 +12161,8 @@
               <a:buChar char="ü"/>
             </a:pPr>
             <a:r>
-              <a:rPr lang="en-US" dirty="0"/>
-              <a:t>E</a:t>
-            </a:r>
-            <a:r>
-              <a:rPr lang="en-US" dirty="0" smtClean="0"/>
-              <a:t>xecute </a:t>
+              <a:rPr lang="en-US" dirty="0" smtClean="0"/>
+              <a:t>Execute </a:t>
             </a:r>
             <a:r>
               <a:rPr lang="en-US" dirty="0"/>
@@ -12313,11 +12322,7 @@
           <a:p>
             <a:r>
               <a:rPr lang="en-US" dirty="0" smtClean="0"/>
-              <a:t>What </a:t>
-            </a:r>
-            <a:r>
-              <a:rPr lang="en-US" dirty="0" smtClean="0"/>
-              <a:t>is the difference between </a:t>
+              <a:t>What is the difference between </a:t>
             </a:r>
             <a:r>
               <a:rPr lang="en-US" dirty="0" smtClean="0">
@@ -12354,11 +12359,7 @@
             </a:r>
             <a:r>
               <a:rPr lang="en-US" dirty="0" smtClean="0"/>
-              <a:t>together</a:t>
-            </a:r>
-            <a:r>
-              <a:rPr lang="en-US" dirty="0" smtClean="0"/>
-              <a:t>?</a:t>
+              <a:t>together?</a:t>
             </a:r>
           </a:p>
           <a:p>
@@ -14220,7 +14221,7 @@
   <a:extraClrSchemeLst/>
   <a:extLst>
     <a:ext uri="{05A4C25C-085E-4340-85A3-A5531E510DB2}">
-      <thm15:themeFamily xmlns:thm15="http://schemas.microsoft.com/office/thememl/2012/main" xmlns="" name="Chef-TemplateComps_v09-16x9-Light.potx" id="{078CEFDB-FA7A-4E36-9964-13EF367585CB}" vid="{8B87B0F3-7308-43D5-8388-E1B49EA02652}"/>
+      <thm15:themeFamily xmlns="" xmlns:thm15="http://schemas.microsoft.com/office/thememl/2012/main" name="Chef-TemplateComps_v09-16x9-Light.potx" id="{078CEFDB-FA7A-4E36-9964-13EF367585CB}" vid="{8B87B0F3-7308-43D5-8388-E1B49EA02652}"/>
     </a:ext>
   </a:extLst>
 </a:theme>
@@ -14602,7 +14603,7 @@
   <a:extraClrSchemeLst/>
   <a:extLst>
     <a:ext uri="{05A4C25C-085E-4340-85A3-A5531E510DB2}">
-      <thm15:themeFamily xmlns:thm15="http://schemas.microsoft.com/office/thememl/2012/main" xmlns="" name="Chef-TemplateComps_v09-16x9-Light.potx" id="{078CEFDB-FA7A-4E36-9964-13EF367585CB}" vid="{8B87B0F3-7308-43D5-8388-E1B49EA02652}"/>
+      <thm15:themeFamily xmlns="" xmlns:thm15="http://schemas.microsoft.com/office/thememl/2012/main" name="Chef-TemplateComps_v09-16x9-Light.potx" id="{078CEFDB-FA7A-4E36-9964-13EF367585CB}" vid="{8B87B0F3-7308-43D5-8388-E1B49EA02652}"/>
     </a:ext>
   </a:extLst>
 </a:theme>

--- a/02-refactoring_cookbooks_with_tests.pptx
+++ b/02-refactoring_cookbooks_with_tests.pptx
@@ -9492,9 +9492,15 @@
         </p:nvSpPr>
         <p:spPr/>
         <p:txBody>
-          <a:bodyPr/>
+          <a:bodyPr>
+            <a:normAutofit fontScale="90000"/>
+          </a:bodyPr>
           <a:lstStyle/>
           <a:p>
+            <a:r>
+              <a:rPr lang="en-US" dirty="0" smtClean="0"/>
+              <a:t>Remove the Resource from the Default Recipe</a:t>
+            </a:r>
             <a:endParaRPr lang="en-US" dirty="0"/>
           </a:p>
         </p:txBody>
@@ -9697,10 +9703,16 @@
         </p:nvSpPr>
         <p:spPr/>
         <p:txBody>
-          <a:bodyPr/>
+          <a:bodyPr>
+            <a:normAutofit/>
+          </a:bodyPr>
           <a:lstStyle/>
           <a:p>
-            <a:endParaRPr lang="en-US"/>
+            <a:r>
+              <a:rPr lang="en-US" sz="4800" dirty="0" smtClean="0"/>
+              <a:t>Include the New Recipes from the Default Recipe</a:t>
+            </a:r>
+            <a:endParaRPr lang="en-US" sz="4800" dirty="0"/>
           </a:p>
         </p:txBody>
       </p:sp>
@@ -10185,7 +10197,11 @@
           <a:bodyPr/>
           <a:lstStyle/>
           <a:p>
-            <a:endParaRPr lang="en-US"/>
+            <a:r>
+              <a:rPr lang="en-US" dirty="0" smtClean="0"/>
+              <a:t>Re-Converge the Test Instance</a:t>
+            </a:r>
+            <a:endParaRPr lang="en-US" dirty="0"/>
           </a:p>
         </p:txBody>
       </p:sp>
@@ -10332,7 +10348,11 @@
           <a:bodyPr/>
           <a:lstStyle/>
           <a:p>
-            <a:endParaRPr lang="en-US"/>
+            <a:r>
+              <a:rPr lang="en-US" dirty="0" smtClean="0"/>
+              <a:t>Re-Verify the Test Instance</a:t>
+            </a:r>
+            <a:endParaRPr lang="en-US" dirty="0"/>
           </a:p>
         </p:txBody>
       </p:sp>
@@ -10618,6 +10638,10 @@
           <a:bodyPr/>
           <a:lstStyle/>
           <a:p>
+            <a:r>
+              <a:rPr lang="en-US" dirty="0" smtClean="0"/>
+              <a:t>Mutation testing is used to design new software tests and evaluate the quality of existing software tests. Mutation testing involves modifying a program in small ways.</a:t>
+            </a:r>
             <a:endParaRPr lang="en-US" dirty="0"/>
           </a:p>
         </p:txBody>
@@ -10724,11 +10748,7 @@
             </a:pPr>
             <a:r>
               <a:rPr lang="en-US" dirty="0" smtClean="0"/>
-              <a:t>Remove / Comment source </a:t>
-            </a:r>
-            <a:r>
-              <a:rPr lang="en-US" dirty="0" smtClean="0"/>
-              <a:t>code</a:t>
+              <a:t>Remove / Comment source code</a:t>
             </a:r>
           </a:p>
           <a:p>
@@ -10808,10 +10828,16 @@
         </p:nvSpPr>
         <p:spPr/>
         <p:txBody>
-          <a:bodyPr/>
+          <a:bodyPr>
+            <a:normAutofit/>
+          </a:bodyPr>
           <a:lstStyle/>
           <a:p>
-            <a:endParaRPr lang="en-US"/>
+            <a:r>
+              <a:rPr lang="en-US" sz="4800" dirty="0" smtClean="0"/>
+              <a:t>Comment Out Key Code Within the Default Recipe</a:t>
+            </a:r>
+            <a:endParaRPr lang="en-US" sz="4800" dirty="0"/>
           </a:p>
         </p:txBody>
       </p:sp>
@@ -11453,7 +11479,11 @@
           <a:bodyPr/>
           <a:lstStyle/>
           <a:p>
-            <a:endParaRPr lang="en-US"/>
+            <a:r>
+              <a:rPr lang="en-US" dirty="0" smtClean="0"/>
+              <a:t>Re-Converge the Test Instance</a:t>
+            </a:r>
+            <a:endParaRPr lang="en-US" dirty="0"/>
           </a:p>
         </p:txBody>
       </p:sp>
@@ -11653,7 +11683,11 @@
           <a:bodyPr/>
           <a:lstStyle/>
           <a:p>
-            <a:endParaRPr lang="en-US"/>
+            <a:r>
+              <a:rPr lang="en-US" dirty="0" smtClean="0"/>
+              <a:t>Re-Verify the Test Instance</a:t>
+            </a:r>
+            <a:endParaRPr lang="en-US" dirty="0"/>
           </a:p>
         </p:txBody>
       </p:sp>
@@ -11762,6 +11796,13 @@
   <p:transition xmlns:p14="http://schemas.microsoft.com/office/powerpoint/2010/main" spd="med">
     <p:fade/>
   </p:transition>
+  <p:timing>
+    <p:tnLst>
+      <p:par>
+        <p:cTn xmlns:p14="http://schemas.microsoft.com/office/powerpoint/2010/main" id="1" dur="indefinite" restart="never" nodeType="tmRoot"/>
+      </p:par>
+    </p:tnLst>
+  </p:timing>
 </p:sld>
 </file>
 
@@ -11800,18 +11841,22 @@
           <a:lstStyle/>
           <a:p>
             <a:r>
-              <a:rPr lang="en-US" dirty="0" smtClean="0"/>
-              <a:t>Converge &amp; Verify </a:t>
-            </a:r>
-            <a:r>
-              <a:rPr lang="en-US" dirty="0" err="1" smtClean="0"/>
-              <a:t>vs</a:t>
-            </a:r>
-            <a:r>
-              <a:rPr lang="en-US" dirty="0" smtClean="0"/>
-              <a:t> Test</a:t>
-            </a:r>
-            <a:endParaRPr lang="en-US" dirty="0"/>
+              <a:rPr lang="en-US" u="sng" dirty="0" smtClean="0"/>
+              <a:t>Converge &amp; Verify</a:t>
+            </a:r>
+            <a:r>
+              <a:rPr lang="en-US" dirty="0" smtClean="0"/>
+              <a:t> </a:t>
+            </a:r>
+            <a:r>
+              <a:rPr lang="en-US" dirty="0" smtClean="0"/>
+              <a:t>versus </a:t>
+            </a:r>
+            <a:r>
+              <a:rPr lang="en-US" u="sng" dirty="0" smtClean="0"/>
+              <a:t>Test</a:t>
+            </a:r>
+            <a:endParaRPr lang="en-US" u="sng" dirty="0"/>
           </a:p>
         </p:txBody>
       </p:sp>
@@ -11832,7 +11877,11 @@
           <a:p>
             <a:r>
               <a:rPr lang="en-US" dirty="0" smtClean="0"/>
-              <a:t>There is a difference between running converge &amp; verify versus running test</a:t>
+              <a:t>There is a difference between running converge &amp; verify versus running </a:t>
+            </a:r>
+            <a:r>
+              <a:rPr lang="en-US" dirty="0" smtClean="0"/>
+              <a:t>test.</a:t>
             </a:r>
             <a:endParaRPr lang="en-US" dirty="0"/>
           </a:p>
@@ -11851,6 +11900,13 @@
   <p:transition xmlns:p14="http://schemas.microsoft.com/office/powerpoint/2010/main" spd="med">
     <p:fade/>
   </p:transition>
+  <p:timing>
+    <p:tnLst>
+      <p:par>
+        <p:cTn xmlns:p14="http://schemas.microsoft.com/office/powerpoint/2010/main" id="1" dur="indefinite" restart="never" nodeType="tmRoot"/>
+      </p:par>
+    </p:tnLst>
+  </p:timing>
 </p:sld>
 </file>
 
@@ -12043,9 +12099,19 @@
         </p:nvSpPr>
         <p:spPr/>
         <p:txBody>
-          <a:bodyPr/>
+          <a:bodyPr>
+            <a:normAutofit fontScale="90000"/>
+          </a:bodyPr>
           <a:lstStyle/>
           <a:p>
+            <a:r>
+              <a:rPr lang="en-US" dirty="0" smtClean="0"/>
+              <a:t>Test the Cookbook Against a </a:t>
+            </a:r>
+            <a:r>
+              <a:rPr lang="en-US" smtClean="0"/>
+              <a:t>New Instance</a:t>
+            </a:r>
             <a:endParaRPr lang="en-US"/>
           </a:p>
         </p:txBody>
@@ -12063,6 +12129,13 @@
   <p:transition xmlns:p14="http://schemas.microsoft.com/office/powerpoint/2010/main" spd="med">
     <p:fade/>
   </p:transition>
+  <p:timing>
+    <p:tnLst>
+      <p:par>
+        <p:cTn xmlns:p14="http://schemas.microsoft.com/office/powerpoint/2010/main" id="1" dur="indefinite" restart="never" nodeType="tmRoot"/>
+      </p:par>
+    </p:tnLst>
+  </p:timing>
 </p:sld>
 </file>
 
@@ -12816,7 +12889,11 @@
           <a:bodyPr/>
           <a:lstStyle/>
           <a:p>
-            <a:endParaRPr lang="en-US"/>
+            <a:r>
+              <a:rPr lang="en-US" dirty="0" smtClean="0"/>
+              <a:t>Ask Chef About Generating a Recipe</a:t>
+            </a:r>
+            <a:endParaRPr lang="en-US" dirty="0"/>
           </a:p>
         </p:txBody>
       </p:sp>
@@ -13056,7 +13133,11 @@
           <a:bodyPr/>
           <a:lstStyle/>
           <a:p>
-            <a:endParaRPr lang="en-US"/>
+            <a:r>
+              <a:rPr lang="en-US" dirty="0" smtClean="0"/>
+              <a:t>Generate an Install Recipe</a:t>
+            </a:r>
+            <a:endParaRPr lang="en-US" dirty="0"/>
           </a:p>
         </p:txBody>
       </p:sp>
@@ -13296,7 +13377,11 @@
           <a:bodyPr/>
           <a:lstStyle/>
           <a:p>
-            <a:endParaRPr lang="en-US"/>
+            <a:r>
+              <a:rPr lang="en-US" dirty="0" smtClean="0"/>
+              <a:t>Generate a Service Recipe</a:t>
+            </a:r>
+            <a:endParaRPr lang="en-US" dirty="0"/>
           </a:p>
         </p:txBody>
       </p:sp>
@@ -13450,7 +13535,11 @@
           <a:bodyPr/>
           <a:lstStyle/>
           <a:p>
-            <a:endParaRPr lang="en-US"/>
+            <a:r>
+              <a:rPr lang="en-US" dirty="0" smtClean="0"/>
+              <a:t>View the Recipes Generated by Chef</a:t>
+            </a:r>
+            <a:endParaRPr lang="en-US" dirty="0"/>
           </a:p>
         </p:txBody>
       </p:sp>
@@ -13502,6 +13591,10 @@
           <a:bodyPr/>
           <a:lstStyle/>
           <a:p>
+            <a:r>
+              <a:rPr lang="en-US" dirty="0" smtClean="0"/>
+              <a:t>Write the Install Recipe</a:t>
+            </a:r>
             <a:endParaRPr lang="en-US" dirty="0"/>
           </a:p>
         </p:txBody>
@@ -13679,6 +13772,10 @@
           <a:bodyPr/>
           <a:lstStyle/>
           <a:p>
+            <a:r>
+              <a:rPr lang="en-US" dirty="0" smtClean="0"/>
+              <a:t>Write the Services Recipe</a:t>
+            </a:r>
             <a:endParaRPr lang="en-US" dirty="0"/>
           </a:p>
         </p:txBody>
@@ -14221,7 +14318,7 @@
   <a:extraClrSchemeLst/>
   <a:extLst>
     <a:ext uri="{05A4C25C-085E-4340-85A3-A5531E510DB2}">
-      <thm15:themeFamily xmlns="" xmlns:thm15="http://schemas.microsoft.com/office/thememl/2012/main" name="Chef-TemplateComps_v09-16x9-Light.potx" id="{078CEFDB-FA7A-4E36-9964-13EF367585CB}" vid="{8B87B0F3-7308-43D5-8388-E1B49EA02652}"/>
+      <thm15:themeFamily xmlns:thm15="http://schemas.microsoft.com/office/thememl/2012/main" xmlns="" name="Chef-TemplateComps_v09-16x9-Light.potx" id="{078CEFDB-FA7A-4E36-9964-13EF367585CB}" vid="{8B87B0F3-7308-43D5-8388-E1B49EA02652}"/>
     </a:ext>
   </a:extLst>
 </a:theme>
@@ -14603,7 +14700,7 @@
   <a:extraClrSchemeLst/>
   <a:extLst>
     <a:ext uri="{05A4C25C-085E-4340-85A3-A5531E510DB2}">
-      <thm15:themeFamily xmlns="" xmlns:thm15="http://schemas.microsoft.com/office/thememl/2012/main" name="Chef-TemplateComps_v09-16x9-Light.potx" id="{078CEFDB-FA7A-4E36-9964-13EF367585CB}" vid="{8B87B0F3-7308-43D5-8388-E1B49EA02652}"/>
+      <thm15:themeFamily xmlns:thm15="http://schemas.microsoft.com/office/thememl/2012/main" xmlns="" name="Chef-TemplateComps_v09-16x9-Light.potx" id="{078CEFDB-FA7A-4E36-9964-13EF367585CB}" vid="{8B87B0F3-7308-43D5-8388-E1B49EA02652}"/>
     </a:ext>
   </a:extLst>
 </a:theme>

--- a/02-refactoring_cookbooks_with_tests.pptx
+++ b/02-refactoring_cookbooks_with_tests.pptx
@@ -169,6 +169,25 @@
       </a:defRPr>
     </a:lvl9pPr>
   </p:defaultTextStyle>
+  <p:extLst>
+    <p:ext uri="{EFAFB233-063F-42B5-8137-9DF3F51BA10A}">
+      <p15:sldGuideLst xmlns:p15="http://schemas.microsoft.com/office/powerpoint/2012/main">
+        <p15:guide id="1" orient="horz" pos="894">
+          <p15:clr>
+            <a:srgbClr val="A4A3A4"/>
+          </p15:clr>
+        </p15:guide>
+        <p15:guide id="2" pos="9120">
+          <p15:clr>
+            <a:srgbClr val="A4A3A4"/>
+          </p15:clr>
+        </p15:guide>
+      </p15:sldGuideLst>
+    </p:ext>
+    <p:ext uri="{2D200454-40CA-4A62-9FC3-DE9A4176ACB9}">
+      <p15:notesGuideLst xmlns:p15="http://schemas.microsoft.com/office/powerpoint/2012/main"/>
+    </p:ext>
+  </p:extLst>
 </p:presentation>
 </file>
 
@@ -283,7 +302,7 @@
               <a:pPr>
                 <a:defRPr/>
               </a:pPr>
-              <a:t>10/26/15</a:t>
+              <a:t>2015-11-19</a:t>
             </a:fld>
             <a:endParaRPr lang="en-US" dirty="0"/>
           </a:p>
@@ -466,7 +485,7 @@
               <a:pPr>
                 <a:defRPr/>
               </a:pPr>
-              <a:t>10/26/15</a:t>
+              <a:t>2015-11-19</a:t>
             </a:fld>
             <a:endParaRPr lang="en-US" dirty="0"/>
           </a:p>
@@ -1715,6 +1734,274 @@
           <a:bodyPr/>
           <a:lstStyle/>
           <a:p>
+            <a:endParaRPr lang="en-US"/>
+          </a:p>
+        </p:txBody>
+      </p:sp>
+      <p:sp>
+        <p:nvSpPr>
+          <p:cNvPr id="4" name="Slide Number Placeholder 3"/>
+          <p:cNvSpPr>
+            <a:spLocks noGrp="1"/>
+          </p:cNvSpPr>
+          <p:nvPr>
+            <p:ph type="sldNum" sz="quarter" idx="10"/>
+          </p:nvPr>
+        </p:nvSpPr>
+        <p:spPr/>
+        <p:txBody>
+          <a:bodyPr/>
+          <a:lstStyle/>
+          <a:p>
+            <a:pPr>
+              <a:defRPr/>
+            </a:pPr>
+            <a:fld id="{DC3734AA-3150-D947-AC52-2F5DF48BFCD5}" type="slidenum">
+              <a:rPr lang="en-US" smtClean="0"/>
+              <a:pPr>
+                <a:defRPr/>
+              </a:pPr>
+              <a:t>25</a:t>
+            </a:fld>
+            <a:endParaRPr lang="en-US" dirty="0"/>
+          </a:p>
+        </p:txBody>
+      </p:sp>
+      <p:sp>
+        <p:nvSpPr>
+          <p:cNvPr id="5" name="Header Placeholder 4"/>
+          <p:cNvSpPr>
+            <a:spLocks noGrp="1"/>
+          </p:cNvSpPr>
+          <p:nvPr>
+            <p:ph type="hdr" sz="quarter" idx="11"/>
+          </p:nvPr>
+        </p:nvSpPr>
+        <p:spPr/>
+        <p:txBody>
+          <a:bodyPr/>
+          <a:lstStyle/>
+          <a:p>
+            <a:pPr>
+              <a:defRPr/>
+            </a:pPr>
+            <a:endParaRPr lang="en-US"/>
+          </a:p>
+        </p:txBody>
+      </p:sp>
+      <p:sp>
+        <p:nvSpPr>
+          <p:cNvPr id="6" name="Footer Placeholder 5"/>
+          <p:cNvSpPr>
+            <a:spLocks noGrp="1"/>
+          </p:cNvSpPr>
+          <p:nvPr>
+            <p:ph type="ftr" sz="quarter" idx="12"/>
+          </p:nvPr>
+        </p:nvSpPr>
+        <p:spPr/>
+        <p:txBody>
+          <a:bodyPr/>
+          <a:lstStyle/>
+          <a:p>
+            <a:pPr>
+              <a:defRPr/>
+            </a:pPr>
+            <a:endParaRPr lang="en-US"/>
+          </a:p>
+        </p:txBody>
+      </p:sp>
+    </p:spTree>
+    <p:extLst>
+      <p:ext uri="{BB962C8B-B14F-4D97-AF65-F5344CB8AC3E}">
+        <p14:creationId xmlns:p14="http://schemas.microsoft.com/office/powerpoint/2010/main" val="280826709"/>
+      </p:ext>
+    </p:extLst>
+  </p:cSld>
+  <p:clrMapOvr>
+    <a:masterClrMapping/>
+  </p:clrMapOvr>
+</p:notes>
+</file>
+
+<file path=ppt/notesSlides/notesSlide8.xml><?xml version="1.0" encoding="utf-8"?>
+<p:notes xmlns:a="http://schemas.openxmlformats.org/drawingml/2006/main" xmlns:r="http://schemas.openxmlformats.org/officeDocument/2006/relationships" xmlns:p="http://schemas.openxmlformats.org/presentationml/2006/main">
+  <p:cSld>
+    <p:spTree>
+      <p:nvGrpSpPr>
+        <p:cNvPr id="1" name=""/>
+        <p:cNvGrpSpPr/>
+        <p:nvPr/>
+      </p:nvGrpSpPr>
+      <p:grpSpPr>
+        <a:xfrm>
+          <a:off x="0" y="0"/>
+          <a:ext cx="0" cy="0"/>
+          <a:chOff x="0" y="0"/>
+          <a:chExt cx="0" cy="0"/>
+        </a:xfrm>
+      </p:grpSpPr>
+      <p:sp>
+        <p:nvSpPr>
+          <p:cNvPr id="2" name="Slide Image Placeholder 1"/>
+          <p:cNvSpPr>
+            <a:spLocks noGrp="1" noRot="1" noChangeAspect="1"/>
+          </p:cNvSpPr>
+          <p:nvPr>
+            <p:ph type="sldImg"/>
+          </p:nvPr>
+        </p:nvSpPr>
+        <p:spPr/>
+      </p:sp>
+      <p:sp>
+        <p:nvSpPr>
+          <p:cNvPr id="3" name="Notes Placeholder 2"/>
+          <p:cNvSpPr>
+            <a:spLocks noGrp="1"/>
+          </p:cNvSpPr>
+          <p:nvPr>
+            <p:ph type="body" idx="1"/>
+          </p:nvPr>
+        </p:nvSpPr>
+        <p:spPr/>
+        <p:txBody>
+          <a:bodyPr/>
+          <a:lstStyle/>
+          <a:p>
+            <a:endParaRPr lang="en-US"/>
+          </a:p>
+        </p:txBody>
+      </p:sp>
+      <p:sp>
+        <p:nvSpPr>
+          <p:cNvPr id="4" name="Slide Number Placeholder 3"/>
+          <p:cNvSpPr>
+            <a:spLocks noGrp="1"/>
+          </p:cNvSpPr>
+          <p:nvPr>
+            <p:ph type="sldNum" sz="quarter" idx="10"/>
+          </p:nvPr>
+        </p:nvSpPr>
+        <p:spPr/>
+        <p:txBody>
+          <a:bodyPr/>
+          <a:lstStyle/>
+          <a:p>
+            <a:pPr>
+              <a:defRPr/>
+            </a:pPr>
+            <a:fld id="{DC3734AA-3150-D947-AC52-2F5DF48BFCD5}" type="slidenum">
+              <a:rPr lang="en-US" smtClean="0"/>
+              <a:pPr>
+                <a:defRPr/>
+              </a:pPr>
+              <a:t>26</a:t>
+            </a:fld>
+            <a:endParaRPr lang="en-US" dirty="0"/>
+          </a:p>
+        </p:txBody>
+      </p:sp>
+      <p:sp>
+        <p:nvSpPr>
+          <p:cNvPr id="5" name="Header Placeholder 4"/>
+          <p:cNvSpPr>
+            <a:spLocks noGrp="1"/>
+          </p:cNvSpPr>
+          <p:nvPr>
+            <p:ph type="hdr" sz="quarter" idx="11"/>
+          </p:nvPr>
+        </p:nvSpPr>
+        <p:spPr/>
+        <p:txBody>
+          <a:bodyPr/>
+          <a:lstStyle/>
+          <a:p>
+            <a:pPr>
+              <a:defRPr/>
+            </a:pPr>
+            <a:endParaRPr lang="en-US"/>
+          </a:p>
+        </p:txBody>
+      </p:sp>
+      <p:sp>
+        <p:nvSpPr>
+          <p:cNvPr id="6" name="Footer Placeholder 5"/>
+          <p:cNvSpPr>
+            <a:spLocks noGrp="1"/>
+          </p:cNvSpPr>
+          <p:nvPr>
+            <p:ph type="ftr" sz="quarter" idx="12"/>
+          </p:nvPr>
+        </p:nvSpPr>
+        <p:spPr/>
+        <p:txBody>
+          <a:bodyPr/>
+          <a:lstStyle/>
+          <a:p>
+            <a:pPr>
+              <a:defRPr/>
+            </a:pPr>
+            <a:endParaRPr lang="en-US"/>
+          </a:p>
+        </p:txBody>
+      </p:sp>
+    </p:spTree>
+    <p:extLst>
+      <p:ext uri="{BB962C8B-B14F-4D97-AF65-F5344CB8AC3E}">
+        <p14:creationId xmlns:p14="http://schemas.microsoft.com/office/powerpoint/2010/main" val="42160106"/>
+      </p:ext>
+    </p:extLst>
+  </p:cSld>
+  <p:clrMapOvr>
+    <a:masterClrMapping/>
+  </p:clrMapOvr>
+</p:notes>
+</file>
+
+<file path=ppt/notesSlides/notesSlide9.xml><?xml version="1.0" encoding="utf-8"?>
+<p:notes xmlns:a="http://schemas.openxmlformats.org/drawingml/2006/main" xmlns:r="http://schemas.openxmlformats.org/officeDocument/2006/relationships" xmlns:p="http://schemas.openxmlformats.org/presentationml/2006/main">
+  <p:cSld>
+    <p:spTree>
+      <p:nvGrpSpPr>
+        <p:cNvPr id="1" name=""/>
+        <p:cNvGrpSpPr/>
+        <p:nvPr/>
+      </p:nvGrpSpPr>
+      <p:grpSpPr>
+        <a:xfrm>
+          <a:off x="0" y="0"/>
+          <a:ext cx="0" cy="0"/>
+          <a:chOff x="0" y="0"/>
+          <a:chExt cx="0" cy="0"/>
+        </a:xfrm>
+      </p:grpSpPr>
+      <p:sp>
+        <p:nvSpPr>
+          <p:cNvPr id="2" name="Slide Image Placeholder 1"/>
+          <p:cNvSpPr>
+            <a:spLocks noGrp="1" noRot="1" noChangeAspect="1"/>
+          </p:cNvSpPr>
+          <p:nvPr>
+            <p:ph type="sldImg"/>
+          </p:nvPr>
+        </p:nvSpPr>
+        <p:spPr/>
+      </p:sp>
+      <p:sp>
+        <p:nvSpPr>
+          <p:cNvPr id="3" name="Notes Placeholder 2"/>
+          <p:cNvSpPr>
+            <a:spLocks noGrp="1"/>
+          </p:cNvSpPr>
+          <p:nvPr>
+            <p:ph type="body" idx="1"/>
+          </p:nvPr>
+        </p:nvSpPr>
+        <p:spPr/>
+        <p:txBody>
+          <a:bodyPr/>
+          <a:lstStyle/>
+          <a:p>
             <a:endParaRPr lang="en-US" dirty="0" smtClean="0"/>
           </a:p>
         </p:txBody>
@@ -1942,7 +2229,7 @@
   <p:clrMapOvr>
     <a:masterClrMapping/>
   </p:clrMapOvr>
-  <p:transition xmlns:p14="http://schemas.microsoft.com/office/powerpoint/2010/main" spd="med">
+  <p:transition spd="med">
     <p:fade/>
   </p:transition>
 </p:sldLayout>
@@ -2237,7 +2524,7 @@
   <p:clrMapOvr>
     <a:overrideClrMapping bg1="lt1" tx1="dk1" bg2="lt2" tx2="dk2" accent1="accent1" accent2="accent2" accent3="accent3" accent4="accent4" accent5="accent5" accent6="accent6" hlink="hlink" folHlink="folHlink"/>
   </p:clrMapOvr>
-  <p:transition xmlns:p14="http://schemas.microsoft.com/office/powerpoint/2010/main" spd="med">
+  <p:transition spd="med">
     <p:fade/>
   </p:transition>
 </p:sldLayout>
@@ -2370,14 +2657,14 @@
           </a:ln>
           <a:extLst>
             <a:ext uri="{909E8E84-426E-40dd-AFC4-6F175D3DCCD1}">
-              <a14:hiddenFill xmlns:a14="http://schemas.microsoft.com/office/drawing/2010/main">
+              <a14:hiddenFill xmlns:a14="http://schemas.microsoft.com/office/drawing/2010/main" xmlns="">
                 <a:solidFill>
                   <a:srgbClr val="FFFFFF"/>
                 </a:solidFill>
               </a14:hiddenFill>
             </a:ext>
             <a:ext uri="{91240B29-F687-4f45-9708-019B960494DF}">
-              <a14:hiddenLine xmlns:a14="http://schemas.microsoft.com/office/drawing/2010/main" w="9525">
+              <a14:hiddenLine xmlns:a14="http://schemas.microsoft.com/office/drawing/2010/main" xmlns="" w="9525">
                 <a:solidFill>
                   <a:srgbClr val="000000"/>
                 </a:solidFill>
@@ -2525,14 +2812,14 @@
           </a:ln>
           <a:extLst>
             <a:ext uri="{909E8E84-426E-40dd-AFC4-6F175D3DCCD1}">
-              <a14:hiddenFill xmlns:a14="http://schemas.microsoft.com/office/drawing/2010/main">
+              <a14:hiddenFill xmlns:a14="http://schemas.microsoft.com/office/drawing/2010/main" xmlns="">
                 <a:solidFill>
                   <a:srgbClr val="FFFFFF"/>
                 </a:solidFill>
               </a14:hiddenFill>
             </a:ext>
             <a:ext uri="{91240B29-F687-4f45-9708-019B960494DF}">
-              <a14:hiddenLine xmlns:a14="http://schemas.microsoft.com/office/drawing/2010/main" w="9525">
+              <a14:hiddenLine xmlns:a14="http://schemas.microsoft.com/office/drawing/2010/main" xmlns="" w="9525">
                 <a:solidFill>
                   <a:srgbClr val="000000"/>
                 </a:solidFill>
@@ -2930,7 +3217,7 @@
   <p:clrMapOvr>
     <a:overrideClrMapping bg1="lt1" tx1="dk1" bg2="lt2" tx2="dk2" accent1="accent1" accent2="accent2" accent3="accent3" accent4="accent4" accent5="accent5" accent6="accent6" hlink="hlink" folHlink="folHlink"/>
   </p:clrMapOvr>
-  <p:transition xmlns:p14="http://schemas.microsoft.com/office/powerpoint/2010/main" spd="med">
+  <p:transition spd="med">
     <p:fade/>
   </p:transition>
 </p:sldLayout>
@@ -3023,14 +3310,14 @@
           </a:ln>
           <a:extLst>
             <a:ext uri="{909E8E84-426E-40dd-AFC4-6F175D3DCCD1}">
-              <a14:hiddenFill xmlns:a14="http://schemas.microsoft.com/office/drawing/2010/main">
+              <a14:hiddenFill xmlns:a14="http://schemas.microsoft.com/office/drawing/2010/main" xmlns="">
                 <a:solidFill>
                   <a:srgbClr val="FFFFFF"/>
                 </a:solidFill>
               </a14:hiddenFill>
             </a:ext>
             <a:ext uri="{91240B29-F687-4f45-9708-019B960494DF}">
-              <a14:hiddenLine xmlns:a14="http://schemas.microsoft.com/office/drawing/2010/main" w="9525">
+              <a14:hiddenLine xmlns:a14="http://schemas.microsoft.com/office/drawing/2010/main" xmlns="" w="9525">
                 <a:solidFill>
                   <a:srgbClr val="000000"/>
                 </a:solidFill>
@@ -3052,7 +3339,7 @@
   <p:clrMapOvr>
     <a:masterClrMapping/>
   </p:clrMapOvr>
-  <p:transition xmlns:p14="http://schemas.microsoft.com/office/powerpoint/2010/main" spd="med">
+  <p:transition spd="med">
     <p:fade/>
   </p:transition>
 </p:sldLayout>
@@ -3339,7 +3626,7 @@
   <p:clrMapOvr>
     <a:masterClrMapping/>
   </p:clrMapOvr>
-  <p:transition xmlns:p14="http://schemas.microsoft.com/office/powerpoint/2010/main" spd="med">
+  <p:transition spd="med">
     <p:fade/>
   </p:transition>
 </p:sldLayout>
@@ -3626,7 +3913,7 @@
   <p:clrMapOvr>
     <a:masterClrMapping/>
   </p:clrMapOvr>
-  <p:transition xmlns:p14="http://schemas.microsoft.com/office/powerpoint/2010/main" spd="med">
+  <p:transition spd="med">
     <p:fade/>
   </p:transition>
 </p:sldLayout>
@@ -3975,7 +4262,7 @@
   <p:clrMapOvr>
     <a:masterClrMapping/>
   </p:clrMapOvr>
-  <p:transition xmlns:p14="http://schemas.microsoft.com/office/powerpoint/2010/main" spd="med">
+  <p:transition spd="med">
     <p:fade/>
   </p:transition>
 </p:sldLayout>
@@ -4262,7 +4549,7 @@
   <p:clrMapOvr>
     <a:masterClrMapping/>
   </p:clrMapOvr>
-  <p:transition xmlns:p14="http://schemas.microsoft.com/office/powerpoint/2010/main" spd="med">
+  <p:transition spd="med">
     <p:fade/>
   </p:transition>
 </p:sldLayout>
@@ -4479,14 +4766,14 @@
           </a:ln>
           <a:extLst>
             <a:ext uri="{909E8E84-426E-40dd-AFC4-6F175D3DCCD1}">
-              <a14:hiddenFill xmlns:a14="http://schemas.microsoft.com/office/drawing/2010/main">
+              <a14:hiddenFill xmlns:a14="http://schemas.microsoft.com/office/drawing/2010/main" xmlns="">
                 <a:solidFill>
                   <a:srgbClr val="FFFFFF"/>
                 </a:solidFill>
               </a14:hiddenFill>
             </a:ext>
             <a:ext uri="{91240B29-F687-4f45-9708-019B960494DF}">
-              <a14:hiddenLine xmlns:a14="http://schemas.microsoft.com/office/drawing/2010/main" w="9525">
+              <a14:hiddenLine xmlns:a14="http://schemas.microsoft.com/office/drawing/2010/main" xmlns="" w="9525">
                 <a:solidFill>
                   <a:srgbClr val="000000"/>
                 </a:solidFill>
@@ -4683,7 +4970,7 @@
   <p:clrMapOvr>
     <a:masterClrMapping/>
   </p:clrMapOvr>
-  <p:transition xmlns:p14="http://schemas.microsoft.com/office/powerpoint/2010/main" spd="med">
+  <p:transition spd="med">
     <p:fade/>
   </p:transition>
 </p:sldLayout>
@@ -4971,7 +5258,7 @@
   <p:clrMapOvr>
     <a:masterClrMapping/>
   </p:clrMapOvr>
-  <p:transition xmlns:p14="http://schemas.microsoft.com/office/powerpoint/2010/main" spd="med">
+  <p:transition spd="med">
     <p:fade/>
   </p:transition>
 </p:sldLayout>
@@ -5283,7 +5570,7 @@
   <p:clrMapOvr>
     <a:masterClrMapping/>
   </p:clrMapOvr>
-  <p:transition xmlns:p14="http://schemas.microsoft.com/office/powerpoint/2010/main" spd="med">
+  <p:transition spd="med">
     <p:fade/>
   </p:transition>
 </p:sldLayout>
@@ -5460,7 +5747,7 @@
   <p:clrMapOvr>
     <a:masterClrMapping/>
   </p:clrMapOvr>
-  <p:transition xmlns:p14="http://schemas.microsoft.com/office/powerpoint/2010/main" spd="med">
+  <p:transition spd="med">
     <p:fade/>
   </p:transition>
 </p:sldLayout>
@@ -5764,7 +6051,7 @@
   <p:clrMapOvr>
     <a:masterClrMapping/>
   </p:clrMapOvr>
-  <p:transition xmlns:p14="http://schemas.microsoft.com/office/powerpoint/2010/main" spd="med">
+  <p:transition spd="med">
     <p:fade/>
   </p:transition>
 </p:sldLayout>
@@ -5840,14 +6127,14 @@
           </a:ln>
           <a:extLst>
             <a:ext uri="{909E8E84-426E-40dd-AFC4-6F175D3DCCD1}">
-              <a14:hiddenFill xmlns:a14="http://schemas.microsoft.com/office/drawing/2010/main">
+              <a14:hiddenFill xmlns:a14="http://schemas.microsoft.com/office/drawing/2010/main" xmlns="">
                 <a:solidFill>
                   <a:srgbClr val="FFFFFF"/>
                 </a:solidFill>
               </a14:hiddenFill>
             </a:ext>
             <a:ext uri="{91240B29-F687-4f45-9708-019B960494DF}">
-              <a14:hiddenLine xmlns:a14="http://schemas.microsoft.com/office/drawing/2010/main" w="9525">
+              <a14:hiddenLine xmlns:a14="http://schemas.microsoft.com/office/drawing/2010/main" xmlns="" w="9525">
                 <a:solidFill>
                   <a:srgbClr val="000000"/>
                 </a:solidFill>
@@ -6123,7 +6410,7 @@
   <p:clrMapOvr>
     <a:overrideClrMapping bg1="lt1" tx1="dk1" bg2="lt2" tx2="dk2" accent1="accent1" accent2="accent2" accent3="accent3" accent4="accent4" accent5="accent5" accent6="accent6" hlink="hlink" folHlink="folHlink"/>
   </p:clrMapOvr>
-  <p:transition xmlns:p14="http://schemas.microsoft.com/office/powerpoint/2010/main" spd="med">
+  <p:transition spd="med">
     <p:fade/>
   </p:transition>
 </p:sldLayout>
@@ -6329,7 +6616,7 @@
   <p:clrMapOvr>
     <a:overrideClrMapping bg1="lt1" tx1="dk1" bg2="lt2" tx2="dk2" accent1="accent1" accent2="accent2" accent3="accent3" accent4="accent4" accent5="accent5" accent6="accent6" hlink="hlink" folHlink="folHlink"/>
   </p:clrMapOvr>
-  <p:transition xmlns:p14="http://schemas.microsoft.com/office/powerpoint/2010/main" spd="med">
+  <p:transition spd="med">
     <p:fade/>
   </p:transition>
 </p:sldLayout>
@@ -6405,14 +6692,14 @@
           </a:ln>
           <a:extLst>
             <a:ext uri="{909E8E84-426E-40dd-AFC4-6F175D3DCCD1}">
-              <a14:hiddenFill xmlns:a14="http://schemas.microsoft.com/office/drawing/2010/main">
+              <a14:hiddenFill xmlns:a14="http://schemas.microsoft.com/office/drawing/2010/main" xmlns="">
                 <a:solidFill>
                   <a:srgbClr val="FFFFFF"/>
                 </a:solidFill>
               </a14:hiddenFill>
             </a:ext>
             <a:ext uri="{91240B29-F687-4f45-9708-019B960494DF}">
-              <a14:hiddenLine xmlns:a14="http://schemas.microsoft.com/office/drawing/2010/main" w="9525">
+              <a14:hiddenLine xmlns:a14="http://schemas.microsoft.com/office/drawing/2010/main" xmlns="" w="9525">
                 <a:solidFill>
                   <a:srgbClr val="000000"/>
                 </a:solidFill>
@@ -6695,7 +6982,7 @@
   <p:clrMapOvr>
     <a:overrideClrMapping bg1="lt1" tx1="dk1" bg2="lt2" tx2="dk2" accent1="accent1" accent2="accent2" accent3="accent3" accent4="accent4" accent5="accent5" accent6="accent6" hlink="hlink" folHlink="folHlink"/>
   </p:clrMapOvr>
-  <p:transition xmlns:p14="http://schemas.microsoft.com/office/powerpoint/2010/main" spd="med">
+  <p:transition spd="med">
     <p:fade/>
   </p:transition>
 </p:sldLayout>
@@ -6903,7 +7190,7 @@
   <p:clrMapOvr>
     <a:overrideClrMapping bg1="lt1" tx1="dk1" bg2="lt2" tx2="dk2" accent1="accent1" accent2="accent2" accent3="accent3" accent4="accent4" accent5="accent5" accent6="accent6" hlink="hlink" folHlink="folHlink"/>
   </p:clrMapOvr>
-  <p:transition xmlns:p14="http://schemas.microsoft.com/office/powerpoint/2010/main" spd="med">
+  <p:transition spd="med">
     <p:fade/>
   </p:transition>
 </p:sldLayout>
@@ -6979,14 +7266,14 @@
           </a:ln>
           <a:extLst>
             <a:ext uri="{909E8E84-426E-40dd-AFC4-6F175D3DCCD1}">
-              <a14:hiddenFill xmlns:a14="http://schemas.microsoft.com/office/drawing/2010/main">
+              <a14:hiddenFill xmlns:a14="http://schemas.microsoft.com/office/drawing/2010/main" xmlns="">
                 <a:solidFill>
                   <a:srgbClr val="FFFFFF"/>
                 </a:solidFill>
               </a14:hiddenFill>
             </a:ext>
             <a:ext uri="{91240B29-F687-4f45-9708-019B960494DF}">
-              <a14:hiddenLine xmlns:a14="http://schemas.microsoft.com/office/drawing/2010/main" w="9525">
+              <a14:hiddenLine xmlns:a14="http://schemas.microsoft.com/office/drawing/2010/main" xmlns="" w="9525">
                 <a:solidFill>
                   <a:srgbClr val="000000"/>
                 </a:solidFill>
@@ -7254,7 +7541,7 @@
   <p:clrMapOvr>
     <a:overrideClrMapping bg1="lt1" tx1="dk1" bg2="lt2" tx2="dk2" accent1="accent1" accent2="accent2" accent3="accent3" accent4="accent4" accent5="accent5" accent6="accent6" hlink="hlink" folHlink="folHlink"/>
   </p:clrMapOvr>
-  <p:transition xmlns:p14="http://schemas.microsoft.com/office/powerpoint/2010/main" spd="med">
+  <p:transition spd="med">
     <p:fade/>
   </p:transition>
 </p:sldLayout>
@@ -7482,7 +7769,7 @@
   <p:clrMapOvr>
     <a:overrideClrMapping bg1="lt1" tx1="dk1" bg2="lt2" tx2="dk2" accent1="accent1" accent2="accent2" accent3="accent3" accent4="accent4" accent5="accent5" accent6="accent6" hlink="hlink" folHlink="folHlink"/>
   </p:clrMapOvr>
-  <p:transition xmlns:p14="http://schemas.microsoft.com/office/powerpoint/2010/main" spd="med">
+  <p:transition spd="med">
     <p:fade/>
   </p:transition>
 </p:sldLayout>
@@ -7770,7 +8057,7 @@
   <p:clrMapOvr>
     <a:overrideClrMapping bg1="lt1" tx1="dk1" bg2="lt2" tx2="dk2" accent1="accent1" accent2="accent2" accent3="accent3" accent4="accent4" accent5="accent5" accent6="accent6" hlink="hlink" folHlink="folHlink"/>
   </p:clrMapOvr>
-  <p:transition xmlns:p14="http://schemas.microsoft.com/office/powerpoint/2010/main" spd="med">
+  <p:transition spd="med">
     <p:fade/>
   </p:transition>
 </p:sldLayout>
@@ -7926,14 +8213,14 @@
           </a:ln>
           <a:extLst>
             <a:ext uri="{909E8E84-426E-40dd-AFC4-6F175D3DCCD1}">
-              <a14:hiddenFill xmlns:a14="http://schemas.microsoft.com/office/drawing/2010/main">
+              <a14:hiddenFill xmlns:a14="http://schemas.microsoft.com/office/drawing/2010/main" xmlns="">
                 <a:solidFill>
                   <a:srgbClr val="FFFFFF"/>
                 </a:solidFill>
               </a14:hiddenFill>
             </a:ext>
             <a:ext uri="{91240B29-F687-4f45-9708-019B960494DF}">
-              <a14:hiddenLine xmlns:a14="http://schemas.microsoft.com/office/drawing/2010/main" w="9525">
+              <a14:hiddenLine xmlns:a14="http://schemas.microsoft.com/office/drawing/2010/main" xmlns="" w="9525">
                 <a:solidFill>
                   <a:srgbClr val="000000"/>
                 </a:solidFill>
@@ -8139,13 +8426,13 @@
     <p:sldLayoutId id="2147483841" r:id="rId11"/>
     <p:sldLayoutId id="2147483843" r:id="rId12"/>
   </p:sldLayoutIdLst>
-  <p:transition xmlns:p14="http://schemas.microsoft.com/office/powerpoint/2010/main" spd="med">
+  <p:transition spd="med">
     <p:fade/>
   </p:transition>
   <p:timing>
     <p:tnLst>
       <p:par>
-        <p:cTn xmlns:p14="http://schemas.microsoft.com/office/powerpoint/2010/main" id="1" dur="indefinite" restart="never" nodeType="tmRoot"/>
+        <p:cTn id="1" dur="indefinite" restart="never" nodeType="tmRoot"/>
       </p:par>
     </p:tnLst>
   </p:timing>
@@ -8673,14 +8960,14 @@
           </a:ln>
           <a:extLst>
             <a:ext uri="{909E8E84-426E-40dd-AFC4-6F175D3DCCD1}">
-              <a14:hiddenFill xmlns:a14="http://schemas.microsoft.com/office/drawing/2010/main">
+              <a14:hiddenFill xmlns:a14="http://schemas.microsoft.com/office/drawing/2010/main" xmlns="">
                 <a:solidFill>
                   <a:srgbClr val="FFFFFF"/>
                 </a:solidFill>
               </a14:hiddenFill>
             </a:ext>
             <a:ext uri="{91240B29-F687-4f45-9708-019B960494DF}">
-              <a14:hiddenLine xmlns:a14="http://schemas.microsoft.com/office/drawing/2010/main" w="9525">
+              <a14:hiddenLine xmlns:a14="http://schemas.microsoft.com/office/drawing/2010/main" xmlns="" w="9525">
                 <a:solidFill>
                   <a:srgbClr val="000000"/>
                 </a:solidFill>
@@ -8957,13 +9244,13 @@
     <p:sldLayoutId id="2147483856" r:id="rId7"/>
     <p:sldLayoutId id="2147483866" r:id="rId8"/>
   </p:sldLayoutIdLst>
-  <p:transition xmlns:p14="http://schemas.microsoft.com/office/powerpoint/2010/main" spd="med">
+  <p:transition spd="med">
     <p:fade/>
   </p:transition>
   <p:timing>
     <p:tnLst>
       <p:par>
-        <p:cTn xmlns:p14="http://schemas.microsoft.com/office/powerpoint/2010/main" id="1" dur="indefinite" restart="never" nodeType="tmRoot"/>
+        <p:cTn id="1" dur="indefinite" restart="never" nodeType="tmRoot"/>
       </p:par>
     </p:tnLst>
   </p:timing>
@@ -9457,7 +9744,7 @@
   <p:clrMapOvr>
     <a:masterClrMapping/>
   </p:clrMapOvr>
-  <p:transition xmlns:p14="http://schemas.microsoft.com/office/powerpoint/2010/main" spd="med">
+  <p:transition spd="med">
     <p:fade/>
   </p:transition>
 </p:sld>
@@ -9668,7 +9955,7 @@
   <p:clrMapOvr>
     <a:masterClrMapping/>
   </p:clrMapOvr>
-  <p:transition xmlns:p14="http://schemas.microsoft.com/office/powerpoint/2010/main" spd="med">
+  <p:transition spd="med">
     <p:fade/>
   </p:transition>
 </p:sld>
@@ -9877,7 +10164,7 @@
   <p:clrMapOvr>
     <a:masterClrMapping/>
   </p:clrMapOvr>
-  <p:transition xmlns:p14="http://schemas.microsoft.com/office/powerpoint/2010/main" spd="med">
+  <p:transition spd="med">
     <p:fade/>
   </p:transition>
 </p:sld>
@@ -9999,7 +10286,7 @@
   <p:clrMapOvr>
     <a:masterClrMapping/>
   </p:clrMapOvr>
-  <p:transition xmlns:p14="http://schemas.microsoft.com/office/powerpoint/2010/main" spd="med">
+  <p:transition spd="med">
     <p:fade/>
   </p:transition>
 </p:sld>
@@ -10215,7 +10502,7 @@
   <p:clrMapOvr>
     <a:masterClrMapping/>
   </p:clrMapOvr>
-  <p:transition xmlns:p14="http://schemas.microsoft.com/office/powerpoint/2010/main" spd="med">
+  <p:transition spd="med">
     <p:fade/>
   </p:transition>
 </p:sld>
@@ -10366,13 +10653,13 @@
   <p:clrMapOvr>
     <a:masterClrMapping/>
   </p:clrMapOvr>
-  <p:transition xmlns:p14="http://schemas.microsoft.com/office/powerpoint/2010/main" spd="med">
+  <p:transition spd="med">
     <p:fade/>
   </p:transition>
   <p:timing>
     <p:tnLst>
       <p:par>
-        <p:cTn xmlns:p14="http://schemas.microsoft.com/office/powerpoint/2010/main" id="1" dur="indefinite" restart="never" nodeType="tmRoot"/>
+        <p:cTn id="1" dur="indefinite" restart="never" nodeType="tmRoot"/>
       </p:par>
     </p:tnLst>
   </p:timing>
@@ -10495,7 +10782,7 @@
   <p:clrMapOvr>
     <a:masterClrMapping/>
   </p:clrMapOvr>
-  <p:transition xmlns:p14="http://schemas.microsoft.com/office/powerpoint/2010/main" spd="med">
+  <p:transition spd="med">
     <p:fade/>
   </p:transition>
 </p:sld>
@@ -10575,7 +10862,7 @@
   <p:clrMapOvr>
     <a:masterClrMapping/>
   </p:clrMapOvr>
-  <p:transition xmlns:p14="http://schemas.microsoft.com/office/powerpoint/2010/main" spd="med">
+  <p:transition spd="med">
     <p:fade/>
   </p:transition>
 </p:sld>
@@ -10656,7 +10943,7 @@
   <p:clrMapOvr>
     <a:masterClrMapping/>
   </p:clrMapOvr>
-  <p:transition xmlns:p14="http://schemas.microsoft.com/office/powerpoint/2010/main" spd="med">
+  <p:transition spd="med">
     <p:fade/>
   </p:transition>
 </p:sld>
@@ -10793,7 +11080,7 @@
   <p:clrMapOvr>
     <a:masterClrMapping/>
   </p:clrMapOvr>
-  <p:transition xmlns:p14="http://schemas.microsoft.com/office/powerpoint/2010/main" spd="med">
+  <p:transition spd="med">
     <p:fade/>
   </p:transition>
 </p:sld>
@@ -11021,7 +11308,7 @@
   <p:clrMapOvr>
     <a:masterClrMapping/>
   </p:clrMapOvr>
-  <p:transition xmlns:p14="http://schemas.microsoft.com/office/powerpoint/2010/main" spd="med">
+  <p:transition spd="med">
     <p:fade/>
   </p:transition>
 </p:sld>
@@ -11170,7 +11457,7 @@
   <p:clrMapOvr>
     <a:masterClrMapping/>
   </p:clrMapOvr>
-  <p:transition xmlns:p14="http://schemas.microsoft.com/office/powerpoint/2010/main" spd="med">
+  <p:transition spd="med">
     <p:fade/>
   </p:transition>
 </p:sld>
@@ -11303,7 +11590,7 @@
   <p:clrMapOvr>
     <a:masterClrMapping/>
   </p:clrMapOvr>
-  <p:transition xmlns:p14="http://schemas.microsoft.com/office/powerpoint/2010/main" spd="med">
+  <p:transition spd="med">
     <p:fade/>
   </p:transition>
 </p:sld>
@@ -11497,7 +11784,7 @@
   <p:clrMapOvr>
     <a:masterClrMapping/>
   </p:clrMapOvr>
-  <p:transition xmlns:p14="http://schemas.microsoft.com/office/powerpoint/2010/main" spd="med">
+  <p:transition spd="med">
     <p:fade/>
   </p:transition>
 </p:sld>
@@ -11701,13 +11988,13 @@
   <p:clrMapOvr>
     <a:masterClrMapping/>
   </p:clrMapOvr>
-  <p:transition xmlns:p14="http://schemas.microsoft.com/office/powerpoint/2010/main" spd="med">
+  <p:transition spd="med">
     <p:fade/>
   </p:transition>
   <p:timing>
     <p:tnLst>
       <p:par>
-        <p:cTn xmlns:p14="http://schemas.microsoft.com/office/powerpoint/2010/main" id="1" dur="indefinite" restart="never" nodeType="tmRoot"/>
+        <p:cTn id="1" dur="indefinite" restart="never" nodeType="tmRoot"/>
       </p:par>
     </p:tnLst>
   </p:timing>
@@ -11793,13 +12080,13 @@
   <p:clrMapOvr>
     <a:masterClrMapping/>
   </p:clrMapOvr>
-  <p:transition xmlns:p14="http://schemas.microsoft.com/office/powerpoint/2010/main" spd="med">
+  <p:transition spd="med">
     <p:fade/>
   </p:transition>
   <p:timing>
     <p:tnLst>
       <p:par>
-        <p:cTn xmlns:p14="http://schemas.microsoft.com/office/powerpoint/2010/main" id="1" dur="indefinite" restart="never" nodeType="tmRoot"/>
+        <p:cTn id="1" dur="indefinite" restart="never" nodeType="tmRoot"/>
       </p:par>
     </p:tnLst>
   </p:timing>
@@ -11846,11 +12133,7 @@
             </a:r>
             <a:r>
               <a:rPr lang="en-US" dirty="0" smtClean="0"/>
-              <a:t> </a:t>
-            </a:r>
-            <a:r>
-              <a:rPr lang="en-US" dirty="0" smtClean="0"/>
-              <a:t>versus </a:t>
+              <a:t> versus </a:t>
             </a:r>
             <a:r>
               <a:rPr lang="en-US" u="sng" dirty="0" smtClean="0"/>
@@ -11877,11 +12160,7 @@
           <a:p>
             <a:r>
               <a:rPr lang="en-US" dirty="0" smtClean="0"/>
-              <a:t>There is a difference between running converge &amp; verify versus running </a:t>
-            </a:r>
-            <a:r>
-              <a:rPr lang="en-US" dirty="0" smtClean="0"/>
-              <a:t>test.</a:t>
+              <a:t>There is a difference between running converge &amp; verify versus running test.</a:t>
             </a:r>
             <a:endParaRPr lang="en-US" dirty="0"/>
           </a:p>
@@ -11897,13 +12176,13 @@
   <p:clrMapOvr>
     <a:masterClrMapping/>
   </p:clrMapOvr>
-  <p:transition xmlns:p14="http://schemas.microsoft.com/office/powerpoint/2010/main" spd="med">
+  <p:transition spd="med">
     <p:fade/>
   </p:transition>
   <p:timing>
     <p:tnLst>
       <p:par>
-        <p:cTn xmlns:p14="http://schemas.microsoft.com/office/powerpoint/2010/main" id="1" dur="indefinite" restart="never" nodeType="tmRoot"/>
+        <p:cTn id="1" dur="indefinite" restart="never" nodeType="tmRoot"/>
       </p:par>
     </p:tnLst>
   </p:timing>
@@ -12126,13 +12405,13 @@
   <p:clrMapOvr>
     <a:masterClrMapping/>
   </p:clrMapOvr>
-  <p:transition xmlns:p14="http://schemas.microsoft.com/office/powerpoint/2010/main" spd="med">
+  <p:transition spd="med">
     <p:fade/>
   </p:transition>
   <p:timing>
     <p:tnLst>
       <p:par>
-        <p:cTn xmlns:p14="http://schemas.microsoft.com/office/powerpoint/2010/main" id="1" dur="indefinite" restart="never" nodeType="tmRoot"/>
+        <p:cTn id="1" dur="indefinite" restart="never" nodeType="tmRoot"/>
       </p:par>
     </p:tnLst>
   </p:timing>
@@ -12266,9 +12545,16 @@
   <p:clrMapOvr>
     <a:masterClrMapping/>
   </p:clrMapOvr>
-  <p:transition xmlns:p14="http://schemas.microsoft.com/office/powerpoint/2010/main" spd="med">
+  <p:transition spd="med">
     <p:fade/>
   </p:transition>
+  <p:timing>
+    <p:tnLst>
+      <p:par>
+        <p:cTn id="1" dur="indefinite" restart="never" nodeType="tmRoot"/>
+      </p:par>
+    </p:tnLst>
+  </p:timing>
 </p:sld>
 </file>
 
@@ -12461,9 +12747,16 @@
   <p:clrMapOvr>
     <a:masterClrMapping/>
   </p:clrMapOvr>
-  <p:transition xmlns:p14="http://schemas.microsoft.com/office/powerpoint/2010/main" spd="med">
+  <p:transition spd="med">
     <p:fade/>
   </p:transition>
+  <p:timing>
+    <p:tnLst>
+      <p:par>
+        <p:cTn id="1" dur="indefinite" restart="never" nodeType="tmRoot"/>
+      </p:par>
+    </p:tnLst>
+  </p:timing>
 </p:sld>
 </file>
 
@@ -12542,9 +12835,16 @@
   <p:clrMapOvr>
     <a:masterClrMapping/>
   </p:clrMapOvr>
-  <p:transition xmlns:p14="http://schemas.microsoft.com/office/powerpoint/2010/main" spd="med">
+  <p:transition spd="med">
     <p:fade/>
   </p:transition>
+  <p:timing>
+    <p:tnLst>
+      <p:par>
+        <p:cTn id="1" dur="indefinite" restart="never" nodeType="tmRoot"/>
+      </p:par>
+    </p:tnLst>
+  </p:timing>
 </p:sld>
 </file>
 
@@ -12575,9 +12875,16 @@
   <p:clrMapOvr>
     <a:masterClrMapping/>
   </p:clrMapOvr>
-  <p:transition xmlns:p14="http://schemas.microsoft.com/office/powerpoint/2010/main" spd="med">
+  <p:transition spd="med">
     <p:fade/>
   </p:transition>
+  <p:timing>
+    <p:tnLst>
+      <p:par>
+        <p:cTn id="1" dur="indefinite" restart="never" nodeType="tmRoot"/>
+      </p:par>
+    </p:tnLst>
+  </p:timing>
 </p:sld>
 </file>
 
@@ -12697,7 +13004,7 @@
   <p:clrMapOvr>
     <a:masterClrMapping/>
   </p:clrMapOvr>
-  <p:transition xmlns:p14="http://schemas.microsoft.com/office/powerpoint/2010/main" spd="med">
+  <p:transition spd="med">
     <p:fade/>
   </p:transition>
 </p:sld>
@@ -12907,7 +13214,7 @@
   <p:clrMapOvr>
     <a:masterClrMapping/>
   </p:clrMapOvr>
-  <p:transition xmlns:p14="http://schemas.microsoft.com/office/powerpoint/2010/main" spd="med">
+  <p:transition spd="med">
     <p:fade/>
   </p:transition>
 </p:sld>
@@ -13151,7 +13458,7 @@
   <p:clrMapOvr>
     <a:masterClrMapping/>
   </p:clrMapOvr>
-  <p:transition xmlns:p14="http://schemas.microsoft.com/office/powerpoint/2010/main" spd="med">
+  <p:transition spd="med">
     <p:fade/>
   </p:transition>
 </p:sld>
@@ -13395,7 +13702,7 @@
   <p:clrMapOvr>
     <a:masterClrMapping/>
   </p:clrMapOvr>
-  <p:transition xmlns:p14="http://schemas.microsoft.com/office/powerpoint/2010/main" spd="med">
+  <p:transition spd="med">
     <p:fade/>
   </p:transition>
 </p:sld>
@@ -13553,7 +13860,7 @@
   <p:clrMapOvr>
     <a:masterClrMapping/>
   </p:clrMapOvr>
-  <p:transition xmlns:p14="http://schemas.microsoft.com/office/powerpoint/2010/main" spd="med">
+  <p:transition spd="med">
     <p:fade/>
   </p:transition>
 </p:sld>
@@ -13734,7 +14041,7 @@
   <p:clrMapOvr>
     <a:masterClrMapping/>
   </p:clrMapOvr>
-  <p:transition xmlns:p14="http://schemas.microsoft.com/office/powerpoint/2010/main" spd="med">
+  <p:transition spd="med">
     <p:fade/>
   </p:transition>
 </p:sld>
@@ -13936,7 +14243,7 @@
   <p:clrMapOvr>
     <a:masterClrMapping/>
   </p:clrMapOvr>
-  <p:transition xmlns:p14="http://schemas.microsoft.com/office/powerpoint/2010/main" spd="med">
+  <p:transition spd="med">
     <p:fade/>
   </p:transition>
 </p:sld>
@@ -14318,7 +14625,7 @@
   <a:extraClrSchemeLst/>
   <a:extLst>
     <a:ext uri="{05A4C25C-085E-4340-85A3-A5531E510DB2}">
-      <thm15:themeFamily xmlns:thm15="http://schemas.microsoft.com/office/thememl/2012/main" xmlns="" name="Chef-TemplateComps_v09-16x9-Light.potx" id="{078CEFDB-FA7A-4E36-9964-13EF367585CB}" vid="{8B87B0F3-7308-43D5-8388-E1B49EA02652}"/>
+      <thm15:themeFamily xmlns:thm15="http://schemas.microsoft.com/office/thememl/2012/main" name="Chef-TemplateComps_v09-16x9-Light.potx" id="{078CEFDB-FA7A-4E36-9964-13EF367585CB}" vid="{8B87B0F3-7308-43D5-8388-E1B49EA02652}"/>
     </a:ext>
   </a:extLst>
 </a:theme>
@@ -14700,7 +15007,7 @@
   <a:extraClrSchemeLst/>
   <a:extLst>
     <a:ext uri="{05A4C25C-085E-4340-85A3-A5531E510DB2}">
-      <thm15:themeFamily xmlns:thm15="http://schemas.microsoft.com/office/thememl/2012/main" xmlns="" name="Chef-TemplateComps_v09-16x9-Light.potx" id="{078CEFDB-FA7A-4E36-9964-13EF367585CB}" vid="{8B87B0F3-7308-43D5-8388-E1B49EA02652}"/>
+      <thm15:themeFamily xmlns:thm15="http://schemas.microsoft.com/office/thememl/2012/main" name="Chef-TemplateComps_v09-16x9-Light.potx" id="{078CEFDB-FA7A-4E36-9964-13EF367585CB}" vid="{8B87B0F3-7308-43D5-8388-E1B49EA02652}"/>
     </a:ext>
   </a:extLst>
 </a:theme>
